--- a/Midterm/Midterm Physical Computing.pptx
+++ b/Midterm/Midterm Physical Computing.pptx
@@ -5,14 +5,21 @@
     <p:sldMasterId id="2147483659" r:id="rId1"/>
   </p:sldMasterIdLst>
   <p:notesMasterIdLst>
-    <p:notesMasterId r:id="rId7"/>
+    <p:notesMasterId r:id="rId14"/>
   </p:notesMasterIdLst>
   <p:sldIdLst>
     <p:sldId id="256" r:id="rId2"/>
     <p:sldId id="257" r:id="rId3"/>
     <p:sldId id="258" r:id="rId4"/>
     <p:sldId id="259" r:id="rId5"/>
-    <p:sldId id="260" r:id="rId6"/>
+    <p:sldId id="263" r:id="rId6"/>
+    <p:sldId id="260" r:id="rId7"/>
+    <p:sldId id="261" r:id="rId8"/>
+    <p:sldId id="262" r:id="rId9"/>
+    <p:sldId id="264" r:id="rId10"/>
+    <p:sldId id="265" r:id="rId11"/>
+    <p:sldId id="266" r:id="rId12"/>
+    <p:sldId id="267" r:id="rId13"/>
   </p:sldIdLst>
   <p:sldSz cx="9144000" cy="5143500" type="screen16x9"/>
   <p:notesSz cx="6858000" cy="9144000"/>
@@ -1044,7 +1051,7 @@
         </p:nvSpPr>
         <p:spPr>
           <a:xfrm>
-            <a:off x="381300" y="685800"/>
+            <a:off x="381000" y="685800"/>
             <a:ext cx="6096000" cy="3429000"/>
           </a:xfrm>
           <a:custGeom>
@@ -1148,7 +1155,7 @@
         </p:nvSpPr>
         <p:spPr>
           <a:xfrm>
-            <a:off x="381300" y="685800"/>
+            <a:off x="381000" y="685800"/>
             <a:ext cx="6096000" cy="3429000"/>
           </a:xfrm>
           <a:custGeom>
@@ -6550,10 +6557,10 @@
               <a:buNone/>
             </a:pPr>
             <a:r>
-              <a:rPr lang="en"/>
+              <a:rPr lang="en" dirty="0"/>
               <a:t>Tennis Ball Picker Upper</a:t>
             </a:r>
-            <a:endParaRPr/>
+            <a:endParaRPr dirty="0"/>
           </a:p>
         </p:txBody>
       </p:sp>
@@ -6600,6 +6607,299 @@
         </p:txBody>
       </p:sp>
     </p:spTree>
+  </p:cSld>
+  <p:clrMapOvr>
+    <a:masterClrMapping/>
+  </p:clrMapOvr>
+</p:sld>
+</file>
+
+<file path=ppt/slides/slide10.xml><?xml version="1.0" encoding="utf-8"?>
+<p:sld xmlns:a="http://schemas.openxmlformats.org/drawingml/2006/main" xmlns:r="http://schemas.openxmlformats.org/officeDocument/2006/relationships" xmlns:p="http://schemas.openxmlformats.org/presentationml/2006/main">
+  <p:cSld>
+    <p:spTree>
+      <p:nvGrpSpPr>
+        <p:cNvPr id="1" name=""/>
+        <p:cNvGrpSpPr/>
+        <p:nvPr/>
+      </p:nvGrpSpPr>
+      <p:grpSpPr>
+        <a:xfrm>
+          <a:off x="0" y="0"/>
+          <a:ext cx="0" cy="0"/>
+          <a:chOff x="0" y="0"/>
+          <a:chExt cx="0" cy="0"/>
+        </a:xfrm>
+      </p:grpSpPr>
+      <p:sp>
+        <p:nvSpPr>
+          <p:cNvPr id="2" name="Title 1"/>
+          <p:cNvSpPr>
+            <a:spLocks noGrp="1"/>
+          </p:cNvSpPr>
+          <p:nvPr>
+            <p:ph type="title"/>
+          </p:nvPr>
+        </p:nvSpPr>
+        <p:spPr/>
+        <p:txBody>
+          <a:bodyPr/>
+          <a:lstStyle/>
+          <a:p>
+            <a:r>
+              <a:rPr lang="en-US" dirty="0"/>
+              <a:t>Interaction</a:t>
+            </a:r>
+          </a:p>
+        </p:txBody>
+      </p:sp>
+      <p:sp>
+        <p:nvSpPr>
+          <p:cNvPr id="3" name="Text Placeholder 2"/>
+          <p:cNvSpPr>
+            <a:spLocks noGrp="1"/>
+          </p:cNvSpPr>
+          <p:nvPr>
+            <p:ph type="body" idx="1"/>
+          </p:nvPr>
+        </p:nvSpPr>
+        <p:spPr/>
+        <p:txBody>
+          <a:bodyPr/>
+          <a:lstStyle/>
+          <a:p>
+            <a:r>
+              <a:rPr lang="en-US" dirty="0"/>
+              <a:t>H</a:t>
+            </a:r>
+            <a:r>
+              <a:rPr lang="en-US" dirty="0" smtClean="0"/>
+              <a:t>ow </a:t>
+            </a:r>
+            <a:r>
+              <a:rPr lang="en-US" dirty="0"/>
+              <a:t>a user interacts with </a:t>
+            </a:r>
+            <a:r>
+              <a:rPr lang="en-US" dirty="0" smtClean="0"/>
+              <a:t>the input/output- they hit the button and the claw opens and closes  </a:t>
+            </a:r>
+          </a:p>
+          <a:p>
+            <a:endParaRPr lang="en-US" dirty="0"/>
+          </a:p>
+          <a:p>
+            <a:endParaRPr lang="en-US" dirty="0"/>
+          </a:p>
+        </p:txBody>
+      </p:sp>
+      <p:sp>
+        <p:nvSpPr>
+          <p:cNvPr id="4" name="TextBox 3"/>
+          <p:cNvSpPr txBox="1"/>
+          <p:nvPr/>
+        </p:nvSpPr>
+        <p:spPr>
+          <a:xfrm>
+            <a:off x="4805082" y="1479176"/>
+            <a:ext cx="184731" cy="307777"/>
+          </a:xfrm>
+          <a:prstGeom prst="rect">
+            <a:avLst/>
+          </a:prstGeom>
+          <a:noFill/>
+        </p:spPr>
+        <p:txBody>
+          <a:bodyPr wrap="none" rtlCol="0">
+            <a:spAutoFit/>
+          </a:bodyPr>
+          <a:lstStyle/>
+          <a:p>
+            <a:endParaRPr lang="en-US" dirty="0"/>
+          </a:p>
+        </p:txBody>
+      </p:sp>
+    </p:spTree>
+    <p:extLst>
+      <p:ext uri="{BB962C8B-B14F-4D97-AF65-F5344CB8AC3E}">
+        <p14:creationId xmlns:p14="http://schemas.microsoft.com/office/powerpoint/2010/main" val="41615184"/>
+      </p:ext>
+    </p:extLst>
+  </p:cSld>
+  <p:clrMapOvr>
+    <a:masterClrMapping/>
+  </p:clrMapOvr>
+</p:sld>
+</file>
+
+<file path=ppt/slides/slide11.xml><?xml version="1.0" encoding="utf-8"?>
+<p:sld xmlns:a="http://schemas.openxmlformats.org/drawingml/2006/main" xmlns:r="http://schemas.openxmlformats.org/officeDocument/2006/relationships" xmlns:p="http://schemas.openxmlformats.org/presentationml/2006/main">
+  <p:cSld>
+    <p:spTree>
+      <p:nvGrpSpPr>
+        <p:cNvPr id="1" name=""/>
+        <p:cNvGrpSpPr/>
+        <p:nvPr/>
+      </p:nvGrpSpPr>
+      <p:grpSpPr>
+        <a:xfrm>
+          <a:off x="0" y="0"/>
+          <a:ext cx="0" cy="0"/>
+          <a:chOff x="0" y="0"/>
+          <a:chExt cx="0" cy="0"/>
+        </a:xfrm>
+      </p:grpSpPr>
+      <p:sp>
+        <p:nvSpPr>
+          <p:cNvPr id="2" name="Title 1"/>
+          <p:cNvSpPr>
+            <a:spLocks noGrp="1"/>
+          </p:cNvSpPr>
+          <p:nvPr>
+            <p:ph type="title"/>
+          </p:nvPr>
+        </p:nvSpPr>
+        <p:spPr/>
+        <p:txBody>
+          <a:bodyPr/>
+          <a:lstStyle/>
+          <a:p>
+            <a:r>
+              <a:rPr lang="en-US" dirty="0" smtClean="0"/>
+              <a:t>How Project Is Used</a:t>
+            </a:r>
+            <a:endParaRPr lang="en-US" dirty="0"/>
+          </a:p>
+        </p:txBody>
+      </p:sp>
+      <p:sp>
+        <p:nvSpPr>
+          <p:cNvPr id="3" name="Text Placeholder 2"/>
+          <p:cNvSpPr>
+            <a:spLocks noGrp="1"/>
+          </p:cNvSpPr>
+          <p:nvPr>
+            <p:ph type="body" idx="1"/>
+          </p:nvPr>
+        </p:nvSpPr>
+        <p:spPr/>
+        <p:txBody>
+          <a:bodyPr/>
+          <a:lstStyle/>
+          <a:p>
+            <a:r>
+              <a:rPr lang="en-US" dirty="0" smtClean="0"/>
+              <a:t>The user hits the button to either close the claw or hits again to open the claw  </a:t>
+            </a:r>
+            <a:br>
+              <a:rPr lang="en-US" dirty="0" smtClean="0"/>
+            </a:br>
+            <a:endParaRPr lang="en-US" dirty="0" smtClean="0"/>
+          </a:p>
+          <a:p>
+            <a:endParaRPr lang="en-US" dirty="0"/>
+          </a:p>
+          <a:p>
+            <a:r>
+              <a:rPr lang="en-US" dirty="0" smtClean="0"/>
+              <a:t>User presses button- claw opens</a:t>
+            </a:r>
+          </a:p>
+          <a:p>
+            <a:r>
+              <a:rPr lang="en-US" dirty="0" smtClean="0"/>
+              <a:t>User presses button- claw closes </a:t>
+            </a:r>
+            <a:endParaRPr lang="en-US" dirty="0"/>
+          </a:p>
+        </p:txBody>
+      </p:sp>
+    </p:spTree>
+    <p:extLst>
+      <p:ext uri="{BB962C8B-B14F-4D97-AF65-F5344CB8AC3E}">
+        <p14:creationId xmlns:p14="http://schemas.microsoft.com/office/powerpoint/2010/main" val="235924933"/>
+      </p:ext>
+    </p:extLst>
+  </p:cSld>
+  <p:clrMapOvr>
+    <a:masterClrMapping/>
+  </p:clrMapOvr>
+</p:sld>
+</file>
+
+<file path=ppt/slides/slide12.xml><?xml version="1.0" encoding="utf-8"?>
+<p:sld xmlns:a="http://schemas.openxmlformats.org/drawingml/2006/main" xmlns:r="http://schemas.openxmlformats.org/officeDocument/2006/relationships" xmlns:p="http://schemas.openxmlformats.org/presentationml/2006/main">
+  <p:cSld>
+    <p:spTree>
+      <p:nvGrpSpPr>
+        <p:cNvPr id="1" name=""/>
+        <p:cNvGrpSpPr/>
+        <p:nvPr/>
+      </p:nvGrpSpPr>
+      <p:grpSpPr>
+        <a:xfrm>
+          <a:off x="0" y="0"/>
+          <a:ext cx="0" cy="0"/>
+          <a:chOff x="0" y="0"/>
+          <a:chExt cx="0" cy="0"/>
+        </a:xfrm>
+      </p:grpSpPr>
+      <p:sp>
+        <p:nvSpPr>
+          <p:cNvPr id="2" name="Title 1"/>
+          <p:cNvSpPr>
+            <a:spLocks noGrp="1"/>
+          </p:cNvSpPr>
+          <p:nvPr>
+            <p:ph type="title"/>
+          </p:nvPr>
+        </p:nvSpPr>
+        <p:spPr/>
+        <p:txBody>
+          <a:bodyPr/>
+          <a:lstStyle/>
+          <a:p>
+            <a:r>
+              <a:rPr lang="en-US" dirty="0"/>
+              <a:t>Talk about what form factor/size your project would ideally be</a:t>
+            </a:r>
+          </a:p>
+        </p:txBody>
+      </p:sp>
+      <p:sp>
+        <p:nvSpPr>
+          <p:cNvPr id="3" name="Text Placeholder 2"/>
+          <p:cNvSpPr>
+            <a:spLocks noGrp="1"/>
+          </p:cNvSpPr>
+          <p:nvPr>
+            <p:ph type="body" idx="1"/>
+          </p:nvPr>
+        </p:nvSpPr>
+        <p:spPr>
+          <a:xfrm>
+            <a:off x="311700" y="1932405"/>
+            <a:ext cx="8520600" cy="3416400"/>
+          </a:xfrm>
+        </p:spPr>
+        <p:txBody>
+          <a:bodyPr/>
+          <a:lstStyle/>
+          <a:p>
+            <a:r>
+              <a:rPr lang="en-US" dirty="0" smtClean="0"/>
+              <a:t>Ideally I would have a robot that has these claws on it that would pick up the tennis balls</a:t>
+            </a:r>
+            <a:endParaRPr lang="en-US" dirty="0"/>
+          </a:p>
+        </p:txBody>
+      </p:sp>
+    </p:spTree>
+    <p:extLst>
+      <p:ext uri="{BB962C8B-B14F-4D97-AF65-F5344CB8AC3E}">
+        <p14:creationId xmlns:p14="http://schemas.microsoft.com/office/powerpoint/2010/main" val="1045071058"/>
+      </p:ext>
+    </p:extLst>
   </p:cSld>
   <p:clrMapOvr>
     <a:masterClrMapping/>
@@ -6702,10 +7002,10 @@
               <a:buChar char="●"/>
             </a:pPr>
             <a:r>
-              <a:rPr lang="en"/>
+              <a:rPr lang="en" dirty="0"/>
               <a:t>Picking up tennis balls is time consuming and annoying</a:t>
             </a:r>
-            <a:endParaRPr/>
+            <a:endParaRPr dirty="0"/>
           </a:p>
           <a:p>
             <a:pPr marL="457200" lvl="0" indent="-342900" algn="l" rtl="0">
@@ -6719,10 +7019,10 @@
               <a:buChar char="●"/>
             </a:pPr>
             <a:r>
-              <a:rPr lang="en"/>
+              <a:rPr lang="en" dirty="0"/>
               <a:t>Having a machine that picks up the ball for you will not only prevent you from bending down and hurting your back, but will save you a lot of time </a:t>
             </a:r>
-            <a:endParaRPr/>
+            <a:endParaRPr dirty="0"/>
           </a:p>
           <a:p>
             <a:pPr marL="457200" lvl="0" indent="-342900" algn="l" rtl="0">
@@ -6736,10 +7036,10 @@
               <a:buChar char="●"/>
             </a:pPr>
             <a:r>
-              <a:rPr lang="en"/>
+              <a:rPr lang="en" dirty="0"/>
               <a:t>Will start off with a button and hopefully extend to an automatic machine</a:t>
             </a:r>
-            <a:endParaRPr/>
+            <a:endParaRPr dirty="0"/>
           </a:p>
           <a:p>
             <a:pPr marL="914400" lvl="1" indent="-317500" algn="l" rtl="0">
@@ -6753,10 +7053,10 @@
               <a:buChar char="○"/>
             </a:pPr>
             <a:r>
-              <a:rPr lang="en"/>
+              <a:rPr lang="en" dirty="0"/>
               <a:t>The machine knows when it gets close to the ball to pick it up</a:t>
             </a:r>
-            <a:endParaRPr/>
+            <a:endParaRPr dirty="0"/>
           </a:p>
           <a:p>
             <a:pPr marL="1371600" lvl="2" indent="-317500" algn="l" rtl="0">
@@ -6770,10 +7070,10 @@
               <a:buChar char="■"/>
             </a:pPr>
             <a:r>
-              <a:rPr lang="en"/>
+              <a:rPr lang="en" dirty="0"/>
               <a:t>Senses the ball</a:t>
             </a:r>
-            <a:endParaRPr/>
+            <a:endParaRPr dirty="0"/>
           </a:p>
           <a:p>
             <a:pPr marL="457200" lvl="0" indent="-342900" algn="l" rtl="0">
@@ -6787,10 +7087,10 @@
               <a:buChar char="●"/>
             </a:pPr>
             <a:r>
-              <a:rPr lang="en"/>
+              <a:rPr lang="en" dirty="0"/>
               <a:t>I wanted to create this project because growing up and playing tennis, I was very lazy when it came to picking up the balls and it also was very time consuming. </a:t>
             </a:r>
-            <a:endParaRPr/>
+            <a:endParaRPr dirty="0"/>
           </a:p>
           <a:p>
             <a:pPr marL="457200" lvl="0" indent="0" algn="l" rtl="0">
@@ -6802,7 +7102,7 @@
               </a:spcAft>
               <a:buNone/>
             </a:pPr>
-            <a:endParaRPr/>
+            <a:endParaRPr dirty="0"/>
           </a:p>
         </p:txBody>
       </p:sp>
@@ -7110,10 +7410,14 @@
               <a:buNone/>
             </a:pPr>
             <a:r>
-              <a:rPr lang="en"/>
-              <a:t>What Parts will I use</a:t>
+              <a:rPr lang="en" dirty="0"/>
+              <a:t>What </a:t>
             </a:r>
-            <a:endParaRPr/>
+            <a:r>
+              <a:rPr lang="en-US" dirty="0" smtClean="0"/>
+              <a:t>Parts I used</a:t>
+            </a:r>
+            <a:endParaRPr dirty="0"/>
           </a:p>
         </p:txBody>
       </p:sp>
@@ -7153,10 +7457,26 @@
               <a:buChar char="●"/>
             </a:pPr>
             <a:r>
-              <a:rPr lang="en"/>
-              <a:t>A piece of cardboard as the claw </a:t>
+              <a:rPr lang="en-US" dirty="0" smtClean="0"/>
+              <a:t>Two</a:t>
             </a:r>
-            <a:endParaRPr/>
+            <a:r>
+              <a:rPr lang="en" dirty="0" smtClean="0"/>
+              <a:t> piece</a:t>
+            </a:r>
+            <a:r>
+              <a:rPr lang="en-US" dirty="0" smtClean="0"/>
+              <a:t>s</a:t>
+            </a:r>
+            <a:r>
+              <a:rPr lang="en" dirty="0" smtClean="0"/>
+              <a:t> </a:t>
+            </a:r>
+            <a:r>
+              <a:rPr lang="en" dirty="0"/>
+              <a:t>of cardboard as the claw </a:t>
+            </a:r>
+            <a:endParaRPr dirty="0"/>
           </a:p>
           <a:p>
             <a:pPr marL="457200" lvl="0" indent="-342900" algn="l" rtl="0">
@@ -7170,10 +7490,18 @@
               <a:buChar char="●"/>
             </a:pPr>
             <a:r>
-              <a:rPr lang="en"/>
-              <a:t>Servo motor</a:t>
+              <a:rPr lang="en-US" dirty="0" smtClean="0"/>
+              <a:t>Two</a:t>
             </a:r>
-            <a:endParaRPr/>
+            <a:r>
+              <a:rPr lang="en" dirty="0" smtClean="0"/>
+              <a:t>Servo </a:t>
+            </a:r>
+            <a:r>
+              <a:rPr lang="en" dirty="0"/>
+              <a:t>motor</a:t>
+            </a:r>
+            <a:endParaRPr dirty="0"/>
           </a:p>
           <a:p>
             <a:pPr marL="457200" lvl="0" indent="-342900" algn="l" rtl="0">
@@ -7187,10 +7515,10 @@
               <a:buChar char="●"/>
             </a:pPr>
             <a:r>
-              <a:rPr lang="en"/>
+              <a:rPr lang="en" dirty="0"/>
               <a:t>Switch</a:t>
             </a:r>
-            <a:endParaRPr/>
+            <a:endParaRPr dirty="0"/>
           </a:p>
           <a:p>
             <a:pPr marL="457200" lvl="0" indent="-342900" algn="l" rtl="0">
@@ -7204,10 +7532,10 @@
               <a:buChar char="●"/>
             </a:pPr>
             <a:r>
-              <a:rPr lang="en"/>
+              <a:rPr lang="en" dirty="0"/>
               <a:t>LED</a:t>
             </a:r>
-            <a:endParaRPr/>
+            <a:endParaRPr dirty="0"/>
           </a:p>
           <a:p>
             <a:pPr marL="457200" lvl="0" indent="-342900" algn="l" rtl="0">
@@ -7221,10 +7549,10 @@
               <a:buChar char="●"/>
             </a:pPr>
             <a:r>
-              <a:rPr lang="en"/>
+              <a:rPr lang="en" dirty="0"/>
               <a:t>10 KILO OHM Resistor</a:t>
             </a:r>
-            <a:endParaRPr/>
+            <a:endParaRPr dirty="0"/>
           </a:p>
           <a:p>
             <a:pPr marL="457200" lvl="0" indent="-342900" algn="l" rtl="0">
@@ -7238,10 +7566,10 @@
               <a:buChar char="●"/>
             </a:pPr>
             <a:r>
-              <a:rPr lang="en"/>
+              <a:rPr lang="en" dirty="0"/>
               <a:t>220 OHM Resistor</a:t>
             </a:r>
-            <a:endParaRPr/>
+            <a:endParaRPr dirty="0"/>
           </a:p>
           <a:p>
             <a:pPr marL="457200" lvl="0" indent="-342900" algn="l" rtl="0">
@@ -7255,10 +7583,18 @@
               <a:buChar char="●"/>
             </a:pPr>
             <a:r>
-              <a:rPr lang="en"/>
-              <a:t>1 Megohm Resistor</a:t>
+              <a:rPr lang="en" dirty="0"/>
+              <a:t>1 </a:t>
             </a:r>
-            <a:endParaRPr/>
+            <a:r>
+              <a:rPr lang="en" dirty="0" err="1"/>
+              <a:t>Megohm</a:t>
+            </a:r>
+            <a:r>
+              <a:rPr lang="en" dirty="0"/>
+              <a:t> Resistor</a:t>
+            </a:r>
+            <a:endParaRPr dirty="0"/>
           </a:p>
           <a:p>
             <a:pPr marL="457200" lvl="0" indent="-342900" algn="l" rtl="0">
@@ -7272,87 +7608,14 @@
               <a:buChar char="●"/>
             </a:pPr>
             <a:r>
-              <a:rPr lang="en"/>
-              <a:t>100uF Capacitor</a:t>
+              <a:rPr lang="en" dirty="0"/>
+              <a:t>100uF </a:t>
             </a:r>
-            <a:endParaRPr/>
-          </a:p>
-          <a:p>
-            <a:pPr marL="457200" lvl="0" indent="-342900" algn="l" rtl="0">
-              <a:lnSpc>
-                <a:spcPct val="130434"/>
-              </a:lnSpc>
-              <a:spcBef>
-                <a:spcPts val="0"/>
-              </a:spcBef>
-              <a:spcAft>
-                <a:spcPts val="0"/>
-              </a:spcAft>
-              <a:buSzPts val="1800"/>
-              <a:buChar char="●"/>
-            </a:pPr>
             <a:r>
-              <a:rPr lang="en">
-                <a:latin typeface="Helvetica Neue"/>
-                <a:ea typeface="Helvetica Neue"/>
-                <a:cs typeface="Helvetica Neue"/>
-                <a:sym typeface="Helvetica Neue"/>
-              </a:rPr>
-              <a:t>Actobotics Horizontal Standard Gripper Kit A</a:t>
+              <a:rPr lang="en" dirty="0" smtClean="0"/>
+              <a:t>Capacitor </a:t>
             </a:r>
-            <a:endParaRPr>
-              <a:latin typeface="Helvetica Neue"/>
-              <a:ea typeface="Helvetica Neue"/>
-              <a:cs typeface="Helvetica Neue"/>
-              <a:sym typeface="Helvetica Neue"/>
-            </a:endParaRPr>
-          </a:p>
-          <a:p>
-            <a:pPr marL="914400" lvl="1" indent="-317500" algn="l" rtl="0">
-              <a:lnSpc>
-                <a:spcPct val="130434"/>
-              </a:lnSpc>
-              <a:spcBef>
-                <a:spcPts val="0"/>
-              </a:spcBef>
-              <a:spcAft>
-                <a:spcPts val="0"/>
-              </a:spcAft>
-              <a:buSzPts val="1400"/>
-              <a:buFont typeface="Helvetica Neue"/>
-              <a:buChar char="○"/>
-            </a:pPr>
-            <a:r>
-              <a:rPr lang="en">
-                <a:latin typeface="Helvetica Neue"/>
-                <a:ea typeface="Helvetica Neue"/>
-                <a:cs typeface="Helvetica Neue"/>
-                <a:sym typeface="Helvetica Neue"/>
-              </a:rPr>
-              <a:t>https://www.robotshop.com/en/actobotics-horizontal-standard-gripper-kit-a.html?gclid=CjwKCAiAqt7jBRAcEiwAof2uK7szBMk89gziYlO9lVup_iEUo99SzFXhnqVyHGidYXQLjKSFzzYSSxoCcWUQAvD_BwE</a:t>
-            </a:r>
-            <a:endParaRPr>
-              <a:latin typeface="Helvetica Neue"/>
-              <a:ea typeface="Helvetica Neue"/>
-              <a:cs typeface="Helvetica Neue"/>
-              <a:sym typeface="Helvetica Neue"/>
-            </a:endParaRPr>
-          </a:p>
-          <a:p>
-            <a:pPr marL="457200" lvl="0" indent="0" algn="l" rtl="0">
-              <a:spcBef>
-                <a:spcPts val="800"/>
-              </a:spcBef>
-              <a:spcAft>
-                <a:spcPts val="1600"/>
-              </a:spcAft>
-              <a:buNone/>
-            </a:pPr>
-            <a:r>
-              <a:rPr lang="en"/>
-              <a:t> </a:t>
-            </a:r>
-            <a:endParaRPr/>
+            <a:endParaRPr dirty="0"/>
           </a:p>
         </p:txBody>
       </p:sp>
@@ -7365,6 +7628,88 @@
 </file>
 
 <file path=ppt/slides/slide5.xml><?xml version="1.0" encoding="utf-8"?>
+<p:sld xmlns:a="http://schemas.openxmlformats.org/drawingml/2006/main" xmlns:r="http://schemas.openxmlformats.org/officeDocument/2006/relationships" xmlns:p="http://schemas.openxmlformats.org/presentationml/2006/main">
+  <p:cSld>
+    <p:spTree>
+      <p:nvGrpSpPr>
+        <p:cNvPr id="1" name=""/>
+        <p:cNvGrpSpPr/>
+        <p:nvPr/>
+      </p:nvGrpSpPr>
+      <p:grpSpPr>
+        <a:xfrm>
+          <a:off x="0" y="0"/>
+          <a:ext cx="0" cy="0"/>
+          <a:chOff x="0" y="0"/>
+          <a:chExt cx="0" cy="0"/>
+        </a:xfrm>
+      </p:grpSpPr>
+      <p:sp>
+        <p:nvSpPr>
+          <p:cNvPr id="2" name="Title 1"/>
+          <p:cNvSpPr>
+            <a:spLocks noGrp="1"/>
+          </p:cNvSpPr>
+          <p:nvPr>
+            <p:ph type="title"/>
+          </p:nvPr>
+        </p:nvSpPr>
+        <p:spPr/>
+        <p:txBody>
+          <a:bodyPr/>
+          <a:lstStyle/>
+          <a:p>
+            <a:r>
+              <a:rPr lang="en-US" dirty="0" smtClean="0"/>
+              <a:t>Inputs and Outputs</a:t>
+            </a:r>
+            <a:endParaRPr lang="en-US" dirty="0"/>
+          </a:p>
+        </p:txBody>
+      </p:sp>
+      <p:sp>
+        <p:nvSpPr>
+          <p:cNvPr id="3" name="Text Placeholder 2"/>
+          <p:cNvSpPr>
+            <a:spLocks noGrp="1"/>
+          </p:cNvSpPr>
+          <p:nvPr>
+            <p:ph type="body" idx="1"/>
+          </p:nvPr>
+        </p:nvSpPr>
+        <p:spPr/>
+        <p:txBody>
+          <a:bodyPr/>
+          <a:lstStyle/>
+          <a:p>
+            <a:r>
+              <a:rPr lang="en-US" dirty="0" smtClean="0"/>
+              <a:t>Input- the button </a:t>
+            </a:r>
+          </a:p>
+          <a:p>
+            <a:r>
+              <a:rPr lang="en-US" dirty="0" smtClean="0"/>
+              <a:t>Output- the servo motor/ claw</a:t>
+            </a:r>
+            <a:endParaRPr lang="en-US" dirty="0"/>
+          </a:p>
+        </p:txBody>
+      </p:sp>
+    </p:spTree>
+    <p:extLst>
+      <p:ext uri="{BB962C8B-B14F-4D97-AF65-F5344CB8AC3E}">
+        <p14:creationId xmlns:p14="http://schemas.microsoft.com/office/powerpoint/2010/main" val="1617679020"/>
+      </p:ext>
+    </p:extLst>
+  </p:cSld>
+  <p:clrMapOvr>
+    <a:masterClrMapping/>
+  </p:clrMapOvr>
+</p:sld>
+</file>
+
+<file path=ppt/slides/slide6.xml><?xml version="1.0" encoding="utf-8"?>
 <p:sld xmlns:a="http://schemas.openxmlformats.org/drawingml/2006/main" xmlns:r="http://schemas.openxmlformats.org/officeDocument/2006/relationships" xmlns:p="http://schemas.openxmlformats.org/presentationml/2006/main">
   <p:cSld>
     <p:spTree>
@@ -7483,7 +7828,335 @@
           </a:p>
         </p:txBody>
       </p:sp>
+      <p:pic>
+        <p:nvPicPr>
+          <p:cNvPr id="2" name="Picture 1"/>
+          <p:cNvPicPr>
+            <a:picLocks noChangeAspect="1"/>
+          </p:cNvPicPr>
+          <p:nvPr/>
+        </p:nvPicPr>
+        <p:blipFill>
+          <a:blip r:embed="rId3">
+            <a:extLst>
+              <a:ext uri="{28A0092B-C50C-407E-A947-70E740481C1C}">
+                <a14:useLocalDpi xmlns:a14="http://schemas.microsoft.com/office/drawing/2010/main" val="0"/>
+              </a:ext>
+            </a:extLst>
+          </a:blip>
+          <a:stretch>
+            <a:fillRect/>
+          </a:stretch>
+        </p:blipFill>
+        <p:spPr>
+          <a:xfrm>
+            <a:off x="3302853" y="2511100"/>
+            <a:ext cx="5002306" cy="2346443"/>
+          </a:xfrm>
+          <a:prstGeom prst="rect">
+            <a:avLst/>
+          </a:prstGeom>
+        </p:spPr>
+      </p:pic>
+      <p:pic>
+        <p:nvPicPr>
+          <p:cNvPr id="3" name="Picture 2"/>
+          <p:cNvPicPr>
+            <a:picLocks noChangeAspect="1"/>
+          </p:cNvPicPr>
+          <p:nvPr/>
+        </p:nvPicPr>
+        <p:blipFill>
+          <a:blip r:embed="rId4">
+            <a:extLst>
+              <a:ext uri="{28A0092B-C50C-407E-A947-70E740481C1C}">
+                <a14:useLocalDpi xmlns:a14="http://schemas.microsoft.com/office/drawing/2010/main" val="0"/>
+              </a:ext>
+            </a:extLst>
+          </a:blip>
+          <a:stretch>
+            <a:fillRect/>
+          </a:stretch>
+        </p:blipFill>
+        <p:spPr>
+          <a:xfrm rot="5400000">
+            <a:off x="4421" y="2818379"/>
+            <a:ext cx="2458228" cy="1843671"/>
+          </a:xfrm>
+          <a:prstGeom prst="rect">
+            <a:avLst/>
+          </a:prstGeom>
+        </p:spPr>
+      </p:pic>
     </p:spTree>
+  </p:cSld>
+  <p:clrMapOvr>
+    <a:masterClrMapping/>
+  </p:clrMapOvr>
+</p:sld>
+</file>
+
+<file path=ppt/slides/slide7.xml><?xml version="1.0" encoding="utf-8"?>
+<p:sld xmlns:a="http://schemas.openxmlformats.org/drawingml/2006/main" xmlns:r="http://schemas.openxmlformats.org/officeDocument/2006/relationships" xmlns:p="http://schemas.openxmlformats.org/presentationml/2006/main">
+  <p:cSld>
+    <p:spTree>
+      <p:nvGrpSpPr>
+        <p:cNvPr id="1" name=""/>
+        <p:cNvGrpSpPr/>
+        <p:nvPr/>
+      </p:nvGrpSpPr>
+      <p:grpSpPr>
+        <a:xfrm>
+          <a:off x="0" y="0"/>
+          <a:ext cx="0" cy="0"/>
+          <a:chOff x="0" y="0"/>
+          <a:chExt cx="0" cy="0"/>
+        </a:xfrm>
+      </p:grpSpPr>
+      <p:sp>
+        <p:nvSpPr>
+          <p:cNvPr id="2" name="Title 1"/>
+          <p:cNvSpPr>
+            <a:spLocks noGrp="1"/>
+          </p:cNvSpPr>
+          <p:nvPr>
+            <p:ph type="title"/>
+          </p:nvPr>
+        </p:nvSpPr>
+        <p:spPr/>
+        <p:txBody>
+          <a:bodyPr/>
+          <a:lstStyle/>
+          <a:p>
+            <a:r>
+              <a:rPr lang="en-US" dirty="0" smtClean="0"/>
+              <a:t>Who are your Stakeholders?</a:t>
+            </a:r>
+            <a:endParaRPr lang="en-US" dirty="0"/>
+          </a:p>
+        </p:txBody>
+      </p:sp>
+      <p:sp>
+        <p:nvSpPr>
+          <p:cNvPr id="3" name="Text Placeholder 2"/>
+          <p:cNvSpPr>
+            <a:spLocks noGrp="1"/>
+          </p:cNvSpPr>
+          <p:nvPr>
+            <p:ph type="body" idx="1"/>
+          </p:nvPr>
+        </p:nvSpPr>
+        <p:spPr/>
+        <p:txBody>
+          <a:bodyPr/>
+          <a:lstStyle/>
+          <a:p>
+            <a:pPr marL="0" marR="0" lvl="0" indent="0" defTabSz="914400" eaLnBrk="1" fontAlgn="auto" latinLnBrk="0" hangingPunct="1">
+              <a:lnSpc>
+                <a:spcPct val="100000"/>
+              </a:lnSpc>
+              <a:spcBef>
+                <a:spcPts val="0"/>
+              </a:spcBef>
+              <a:spcAft>
+                <a:spcPts val="0"/>
+              </a:spcAft>
+              <a:buClrTx/>
+              <a:buSzTx/>
+              <a:buFontTx/>
+              <a:buNone/>
+              <a:tabLst/>
+              <a:defRPr/>
+            </a:pPr>
+            <a:r>
+              <a:rPr lang="en-US" dirty="0" smtClean="0"/>
+              <a:t>People who play tennis</a:t>
+            </a:r>
+            <a:endParaRPr lang="en-US" dirty="0"/>
+          </a:p>
+        </p:txBody>
+      </p:sp>
+    </p:spTree>
+    <p:extLst>
+      <p:ext uri="{BB962C8B-B14F-4D97-AF65-F5344CB8AC3E}">
+        <p14:creationId xmlns:p14="http://schemas.microsoft.com/office/powerpoint/2010/main" val="1588056272"/>
+      </p:ext>
+    </p:extLst>
+  </p:cSld>
+  <p:clrMapOvr>
+    <a:masterClrMapping/>
+  </p:clrMapOvr>
+</p:sld>
+</file>
+
+<file path=ppt/slides/slide8.xml><?xml version="1.0" encoding="utf-8"?>
+<p:sld xmlns:a="http://schemas.openxmlformats.org/drawingml/2006/main" xmlns:r="http://schemas.openxmlformats.org/officeDocument/2006/relationships" xmlns:p="http://schemas.openxmlformats.org/presentationml/2006/main">
+  <p:cSld>
+    <p:spTree>
+      <p:nvGrpSpPr>
+        <p:cNvPr id="1" name=""/>
+        <p:cNvGrpSpPr/>
+        <p:nvPr/>
+      </p:nvGrpSpPr>
+      <p:grpSpPr>
+        <a:xfrm>
+          <a:off x="0" y="0"/>
+          <a:ext cx="0" cy="0"/>
+          <a:chOff x="0" y="0"/>
+          <a:chExt cx="0" cy="0"/>
+        </a:xfrm>
+      </p:grpSpPr>
+      <p:sp>
+        <p:nvSpPr>
+          <p:cNvPr id="2" name="Title 1"/>
+          <p:cNvSpPr>
+            <a:spLocks noGrp="1"/>
+          </p:cNvSpPr>
+          <p:nvPr>
+            <p:ph type="title"/>
+          </p:nvPr>
+        </p:nvSpPr>
+        <p:spPr/>
+        <p:txBody>
+          <a:bodyPr/>
+          <a:lstStyle/>
+          <a:p>
+            <a:r>
+              <a:rPr lang="en-US" dirty="0" smtClean="0"/>
+              <a:t>How does your program work? Code Explained</a:t>
+            </a:r>
+            <a:endParaRPr lang="en-US" dirty="0"/>
+          </a:p>
+        </p:txBody>
+      </p:sp>
+      <p:sp>
+        <p:nvSpPr>
+          <p:cNvPr id="3" name="Text Placeholder 2"/>
+          <p:cNvSpPr>
+            <a:spLocks noGrp="1"/>
+          </p:cNvSpPr>
+          <p:nvPr>
+            <p:ph type="body" idx="1"/>
+          </p:nvPr>
+        </p:nvSpPr>
+        <p:spPr/>
+        <p:txBody>
+          <a:bodyPr/>
+          <a:lstStyle/>
+          <a:p>
+            <a:r>
+              <a:rPr lang="en-US" dirty="0" smtClean="0"/>
+              <a:t>Reflection- I realized I was unable to get the machine to pick up a ball, but I was able to make the claw come together in the end after playing with the degrees on the </a:t>
+            </a:r>
+            <a:r>
+              <a:rPr lang="en-US" dirty="0" err="1" smtClean="0"/>
+              <a:t>servo.write</a:t>
+            </a:r>
+            <a:r>
+              <a:rPr lang="en-US" dirty="0" smtClean="0"/>
+              <a:t> in the code. I had to play with the numbers for both servo1.write and servo2.write to see how I could get the two to match up. </a:t>
+            </a:r>
+          </a:p>
+          <a:p>
+            <a:r>
+              <a:rPr lang="en-US" dirty="0" smtClean="0"/>
+              <a:t>In the beginning, I could not figure out how to get the two claws to come together and I feel that was the hardest part. </a:t>
+            </a:r>
+          </a:p>
+          <a:p>
+            <a:r>
+              <a:rPr lang="en-US" dirty="0" smtClean="0"/>
+              <a:t>If I had more time, I would find a way for the claw to be able to pick up something. </a:t>
+            </a:r>
+            <a:endParaRPr lang="en-US" dirty="0"/>
+          </a:p>
+        </p:txBody>
+      </p:sp>
+    </p:spTree>
+    <p:extLst>
+      <p:ext uri="{BB962C8B-B14F-4D97-AF65-F5344CB8AC3E}">
+        <p14:creationId xmlns:p14="http://schemas.microsoft.com/office/powerpoint/2010/main" val="649559656"/>
+      </p:ext>
+    </p:extLst>
+  </p:cSld>
+  <p:clrMapOvr>
+    <a:masterClrMapping/>
+  </p:clrMapOvr>
+</p:sld>
+</file>
+
+<file path=ppt/slides/slide9.xml><?xml version="1.0" encoding="utf-8"?>
+<p:sld xmlns:a="http://schemas.openxmlformats.org/drawingml/2006/main" xmlns:r="http://schemas.openxmlformats.org/officeDocument/2006/relationships" xmlns:p="http://schemas.openxmlformats.org/presentationml/2006/main">
+  <p:cSld>
+    <p:spTree>
+      <p:nvGrpSpPr>
+        <p:cNvPr id="1" name=""/>
+        <p:cNvGrpSpPr/>
+        <p:nvPr/>
+      </p:nvGrpSpPr>
+      <p:grpSpPr>
+        <a:xfrm>
+          <a:off x="0" y="0"/>
+          <a:ext cx="0" cy="0"/>
+          <a:chOff x="0" y="0"/>
+          <a:chExt cx="0" cy="0"/>
+        </a:xfrm>
+      </p:grpSpPr>
+      <p:sp>
+        <p:nvSpPr>
+          <p:cNvPr id="2" name="Title 1"/>
+          <p:cNvSpPr>
+            <a:spLocks noGrp="1"/>
+          </p:cNvSpPr>
+          <p:nvPr>
+            <p:ph type="title"/>
+          </p:nvPr>
+        </p:nvSpPr>
+        <p:spPr/>
+        <p:txBody>
+          <a:bodyPr/>
+          <a:lstStyle/>
+          <a:p>
+            <a:r>
+              <a:rPr lang="en-US" dirty="0" smtClean="0"/>
+              <a:t>Side Notes</a:t>
+            </a:r>
+            <a:endParaRPr lang="en-US" dirty="0"/>
+          </a:p>
+        </p:txBody>
+      </p:sp>
+      <p:sp>
+        <p:nvSpPr>
+          <p:cNvPr id="3" name="Text Placeholder 2"/>
+          <p:cNvSpPr>
+            <a:spLocks noGrp="1"/>
+          </p:cNvSpPr>
+          <p:nvPr>
+            <p:ph type="body" idx="1"/>
+          </p:nvPr>
+        </p:nvSpPr>
+        <p:spPr/>
+        <p:txBody>
+          <a:bodyPr/>
+          <a:lstStyle/>
+          <a:p>
+            <a:r>
+              <a:rPr lang="en-US" dirty="0" smtClean="0"/>
+              <a:t>Noticed </a:t>
+            </a:r>
+            <a:r>
+              <a:rPr lang="en-US" dirty="0"/>
+              <a:t>when I added the second servo, the first servo either went crazy or did not work. After it finally worked, I played with the degrees to see how the claw would match up.  </a:t>
+            </a:r>
+          </a:p>
+        </p:txBody>
+      </p:sp>
+    </p:spTree>
+    <p:extLst>
+      <p:ext uri="{BB962C8B-B14F-4D97-AF65-F5344CB8AC3E}">
+        <p14:creationId xmlns:p14="http://schemas.microsoft.com/office/powerpoint/2010/main" val="356140062"/>
+      </p:ext>
+    </p:extLst>
   </p:cSld>
   <p:clrMapOvr>
     <a:masterClrMapping/>
